--- a/第1章计算机基础/第1章复习.pptx
+++ b/第1章计算机基础/第1章复习.pptx
@@ -12,6 +12,13 @@
     <p:sldId id="260" r:id="rId6"/>
     <p:sldId id="261" r:id="rId7"/>
     <p:sldId id="262" r:id="rId8"/>
+    <p:sldId id="263" r:id="rId9"/>
+    <p:sldId id="264" r:id="rId10"/>
+    <p:sldId id="265" r:id="rId11"/>
+    <p:sldId id="266" r:id="rId12"/>
+    <p:sldId id="267" r:id="rId13"/>
+    <p:sldId id="268" r:id="rId14"/>
+    <p:sldId id="269" r:id="rId15"/>
   </p:sldIdLst>
   <p:sldSz cx="9144000" cy="6858000" type="screen4x3"/>
   <p:notesSz cx="6858000" cy="9144000"/>
@@ -294,7 +301,7 @@
           <a:p>
             <a:fld id="{530820CF-B880-4189-942D-D702A7CBA730}" type="datetimeFigureOut">
               <a:rPr lang="zh-CN" altLang="en-US" smtClean="0"/>
-              <a:t>2020/9/4</a:t>
+              <a:t>2020/9/5</a:t>
             </a:fld>
             <a:endParaRPr lang="zh-CN" altLang="en-US"/>
           </a:p>
@@ -459,7 +466,7 @@
           <a:p>
             <a:fld id="{530820CF-B880-4189-942D-D702A7CBA730}" type="datetimeFigureOut">
               <a:rPr lang="zh-CN" altLang="en-US" smtClean="0"/>
-              <a:t>2020/9/4</a:t>
+              <a:t>2020/9/5</a:t>
             </a:fld>
             <a:endParaRPr lang="zh-CN" altLang="en-US"/>
           </a:p>
@@ -634,7 +641,7 @@
           <a:p>
             <a:fld id="{530820CF-B880-4189-942D-D702A7CBA730}" type="datetimeFigureOut">
               <a:rPr lang="zh-CN" altLang="en-US" smtClean="0"/>
-              <a:t>2020/9/4</a:t>
+              <a:t>2020/9/5</a:t>
             </a:fld>
             <a:endParaRPr lang="zh-CN" altLang="en-US"/>
           </a:p>
@@ -799,7 +806,7 @@
           <a:p>
             <a:fld id="{530820CF-B880-4189-942D-D702A7CBA730}" type="datetimeFigureOut">
               <a:rPr lang="zh-CN" altLang="en-US" smtClean="0"/>
-              <a:t>2020/9/4</a:t>
+              <a:t>2020/9/5</a:t>
             </a:fld>
             <a:endParaRPr lang="zh-CN" altLang="en-US"/>
           </a:p>
@@ -1040,7 +1047,7 @@
           <a:p>
             <a:fld id="{530820CF-B880-4189-942D-D702A7CBA730}" type="datetimeFigureOut">
               <a:rPr lang="zh-CN" altLang="en-US" smtClean="0"/>
-              <a:t>2020/9/4</a:t>
+              <a:t>2020/9/5</a:t>
             </a:fld>
             <a:endParaRPr lang="zh-CN" altLang="en-US"/>
           </a:p>
@@ -1323,7 +1330,7 @@
           <a:p>
             <a:fld id="{530820CF-B880-4189-942D-D702A7CBA730}" type="datetimeFigureOut">
               <a:rPr lang="zh-CN" altLang="en-US" smtClean="0"/>
-              <a:t>2020/9/4</a:t>
+              <a:t>2020/9/5</a:t>
             </a:fld>
             <a:endParaRPr lang="zh-CN" altLang="en-US"/>
           </a:p>
@@ -1740,7 +1747,7 @@
           <a:p>
             <a:fld id="{530820CF-B880-4189-942D-D702A7CBA730}" type="datetimeFigureOut">
               <a:rPr lang="zh-CN" altLang="en-US" smtClean="0"/>
-              <a:t>2020/9/4</a:t>
+              <a:t>2020/9/5</a:t>
             </a:fld>
             <a:endParaRPr lang="zh-CN" altLang="en-US"/>
           </a:p>
@@ -1853,7 +1860,7 @@
           <a:p>
             <a:fld id="{530820CF-B880-4189-942D-D702A7CBA730}" type="datetimeFigureOut">
               <a:rPr lang="zh-CN" altLang="en-US" smtClean="0"/>
-              <a:t>2020/9/4</a:t>
+              <a:t>2020/9/5</a:t>
             </a:fld>
             <a:endParaRPr lang="zh-CN" altLang="en-US"/>
           </a:p>
@@ -1943,7 +1950,7 @@
           <a:p>
             <a:fld id="{530820CF-B880-4189-942D-D702A7CBA730}" type="datetimeFigureOut">
               <a:rPr lang="zh-CN" altLang="en-US" smtClean="0"/>
-              <a:t>2020/9/4</a:t>
+              <a:t>2020/9/5</a:t>
             </a:fld>
             <a:endParaRPr lang="zh-CN" altLang="en-US"/>
           </a:p>
@@ -2215,7 +2222,7 @@
           <a:p>
             <a:fld id="{530820CF-B880-4189-942D-D702A7CBA730}" type="datetimeFigureOut">
               <a:rPr lang="zh-CN" altLang="en-US" smtClean="0"/>
-              <a:t>2020/9/4</a:t>
+              <a:t>2020/9/5</a:t>
             </a:fld>
             <a:endParaRPr lang="zh-CN" altLang="en-US"/>
           </a:p>
@@ -2463,7 +2470,7 @@
           <a:p>
             <a:fld id="{530820CF-B880-4189-942D-D702A7CBA730}" type="datetimeFigureOut">
               <a:rPr lang="zh-CN" altLang="en-US" smtClean="0"/>
-              <a:t>2020/9/4</a:t>
+              <a:t>2020/9/5</a:t>
             </a:fld>
             <a:endParaRPr lang="zh-CN" altLang="en-US"/>
           </a:p>
@@ -2671,7 +2678,7 @@
           <a:p>
             <a:fld id="{530820CF-B880-4189-942D-D702A7CBA730}" type="datetimeFigureOut">
               <a:rPr lang="zh-CN" altLang="en-US" smtClean="0"/>
-              <a:t>2020/9/4</a:t>
+              <a:t>2020/9/5</a:t>
             </a:fld>
             <a:endParaRPr lang="zh-CN" altLang="en-US"/>
           </a:p>
@@ -3096,6 +3103,586 @@
 </p:sld>
 </file>
 
+<file path=ppt/slides/slide10.xml><?xml version="1.0" encoding="utf-8"?>
+<p:sld xmlns:a="http://schemas.openxmlformats.org/drawingml/2006/main" xmlns:r="http://schemas.openxmlformats.org/officeDocument/2006/relationships" xmlns:p="http://schemas.openxmlformats.org/presentationml/2006/main">
+  <p:cSld>
+    <p:spTree>
+      <p:nvGrpSpPr>
+        <p:cNvPr id="1" name=""/>
+        <p:cNvGrpSpPr/>
+        <p:nvPr/>
+      </p:nvGrpSpPr>
+      <p:grpSpPr>
+        <a:xfrm>
+          <a:off x="0" y="0"/>
+          <a:ext cx="0" cy="0"/>
+          <a:chOff x="0" y="0"/>
+          <a:chExt cx="0" cy="0"/>
+        </a:xfrm>
+      </p:grpSpPr>
+      <p:sp>
+        <p:nvSpPr>
+          <p:cNvPr id="2" name="标题 1"/>
+          <p:cNvSpPr>
+            <a:spLocks noGrp="1"/>
+          </p:cNvSpPr>
+          <p:nvPr>
+            <p:ph type="title"/>
+          </p:nvPr>
+        </p:nvSpPr>
+        <p:spPr/>
+        <p:txBody>
+          <a:bodyPr/>
+          <a:lstStyle/>
+          <a:p>
+            <a:r>
+              <a:rPr lang="zh-CN" altLang="en-US" dirty="0"/>
+              <a:t>十进制转其他进制</a:t>
+            </a:r>
+          </a:p>
+        </p:txBody>
+      </p:sp>
+      <p:sp>
+        <p:nvSpPr>
+          <p:cNvPr id="3" name="内容占位符 2"/>
+          <p:cNvSpPr>
+            <a:spLocks noGrp="1"/>
+          </p:cNvSpPr>
+          <p:nvPr>
+            <p:ph idx="1"/>
+          </p:nvPr>
+        </p:nvSpPr>
+        <p:spPr/>
+        <p:txBody>
+          <a:bodyPr>
+            <a:normAutofit lnSpcReduction="10000"/>
+          </a:bodyPr>
+          <a:lstStyle/>
+          <a:p>
+            <a:r>
+              <a:rPr lang="zh-CN" altLang="en-US" dirty="0"/>
+              <a:t>整数部分和小数部分分别进行转换</a:t>
+            </a:r>
+          </a:p>
+          <a:p>
+            <a:r>
+              <a:rPr lang="zh-CN" altLang="en-US" dirty="0"/>
+              <a:t>整数部分采用“</a:t>
+            </a:r>
+            <a:r>
+              <a:rPr lang="zh-CN" altLang="en-US" dirty="0">
+                <a:solidFill>
+                  <a:schemeClr val="hlink"/>
+                </a:solidFill>
+              </a:rPr>
+              <a:t>除基取余，余数倒序排列</a:t>
+            </a:r>
+            <a:r>
+              <a:rPr lang="zh-CN" altLang="en-US" dirty="0"/>
+              <a:t>”方法。即用基数连续去除十进制数的整数部分，直到商数等于</a:t>
+            </a:r>
+            <a:r>
+              <a:rPr lang="en-US" altLang="zh-CN" dirty="0"/>
+              <a:t>0</a:t>
+            </a:r>
+            <a:r>
+              <a:rPr lang="zh-CN" altLang="en-US" dirty="0"/>
+              <a:t>为止，然后对余数逆序排列。</a:t>
+            </a:r>
+          </a:p>
+          <a:p>
+            <a:r>
+              <a:rPr lang="zh-CN" altLang="en-US" dirty="0"/>
+              <a:t>小数部分采用“</a:t>
+            </a:r>
+            <a:r>
+              <a:rPr lang="zh-CN" altLang="en-US" dirty="0">
+                <a:solidFill>
+                  <a:schemeClr val="hlink"/>
+                </a:solidFill>
+              </a:rPr>
+              <a:t>乘基取整，整数顺序排列</a:t>
+            </a:r>
+            <a:r>
+              <a:rPr lang="zh-CN" altLang="en-US" dirty="0"/>
+              <a:t>”方法。即用基数连续去乘十进制数的小数部分，直到小数等于</a:t>
+            </a:r>
+            <a:r>
+              <a:rPr lang="en-US" altLang="zh-CN" dirty="0"/>
+              <a:t>0</a:t>
+            </a:r>
+            <a:r>
+              <a:rPr lang="zh-CN" altLang="en-US" dirty="0"/>
+              <a:t>或满足要求精度为止，然后对整数部分顺序排列。</a:t>
+            </a:r>
+          </a:p>
+          <a:p>
+            <a:endParaRPr lang="zh-CN" altLang="en-US" dirty="0"/>
+          </a:p>
+        </p:txBody>
+      </p:sp>
+    </p:spTree>
+    <p:extLst>
+      <p:ext uri="{BB962C8B-B14F-4D97-AF65-F5344CB8AC3E}">
+        <p14:creationId xmlns:p14="http://schemas.microsoft.com/office/powerpoint/2010/main" val="1590163791"/>
+      </p:ext>
+    </p:extLst>
+  </p:cSld>
+  <p:clrMapOvr>
+    <a:masterClrMapping/>
+  </p:clrMapOvr>
+</p:sld>
+</file>
+
+<file path=ppt/slides/slide11.xml><?xml version="1.0" encoding="utf-8"?>
+<p:sld xmlns:a="http://schemas.openxmlformats.org/drawingml/2006/main" xmlns:r="http://schemas.openxmlformats.org/officeDocument/2006/relationships" xmlns:p="http://schemas.openxmlformats.org/presentationml/2006/main">
+  <p:cSld>
+    <p:spTree>
+      <p:nvGrpSpPr>
+        <p:cNvPr id="1" name=""/>
+        <p:cNvGrpSpPr/>
+        <p:nvPr/>
+      </p:nvGrpSpPr>
+      <p:grpSpPr>
+        <a:xfrm>
+          <a:off x="0" y="0"/>
+          <a:ext cx="0" cy="0"/>
+          <a:chOff x="0" y="0"/>
+          <a:chExt cx="0" cy="0"/>
+        </a:xfrm>
+      </p:grpSpPr>
+      <p:sp>
+        <p:nvSpPr>
+          <p:cNvPr id="2" name="标题 1"/>
+          <p:cNvSpPr>
+            <a:spLocks noGrp="1"/>
+          </p:cNvSpPr>
+          <p:nvPr>
+            <p:ph type="title"/>
+          </p:nvPr>
+        </p:nvSpPr>
+        <p:spPr/>
+        <p:txBody>
+          <a:bodyPr/>
+          <a:lstStyle/>
+          <a:p>
+            <a:endParaRPr lang="zh-CN" altLang="en-US"/>
+          </a:p>
+        </p:txBody>
+      </p:sp>
+      <p:pic>
+        <p:nvPicPr>
+          <p:cNvPr id="4" name="内容占位符 7">
+            <a:extLst>
+              <a:ext uri="{FF2B5EF4-FFF2-40B4-BE49-F238E27FC236}">
+                <a16:creationId xmlns="" xmlns:a16="http://schemas.microsoft.com/office/drawing/2014/main" id="{54C860BA-CE2F-4454-8F88-8AE6B0929094}"/>
+              </a:ext>
+            </a:extLst>
+          </p:cNvPr>
+          <p:cNvPicPr>
+            <a:picLocks noGrp="1" noChangeAspect="1"/>
+          </p:cNvPicPr>
+          <p:nvPr>
+            <p:ph idx="1"/>
+          </p:nvPr>
+        </p:nvPicPr>
+        <p:blipFill>
+          <a:blip r:embed="rId2">
+            <a:extLst>
+              <a:ext uri="{28A0092B-C50C-407E-A947-70E740481C1C}">
+                <a14:useLocalDpi xmlns:a14="http://schemas.microsoft.com/office/drawing/2010/main" val="0"/>
+              </a:ext>
+            </a:extLst>
+          </a:blip>
+          <a:stretch>
+            <a:fillRect/>
+          </a:stretch>
+        </p:blipFill>
+        <p:spPr>
+          <a:xfrm>
+            <a:off x="457200" y="1633487"/>
+            <a:ext cx="8229600" cy="4459389"/>
+          </a:xfrm>
+        </p:spPr>
+      </p:pic>
+    </p:spTree>
+    <p:extLst>
+      <p:ext uri="{BB962C8B-B14F-4D97-AF65-F5344CB8AC3E}">
+        <p14:creationId xmlns:p14="http://schemas.microsoft.com/office/powerpoint/2010/main" val="1319954009"/>
+      </p:ext>
+    </p:extLst>
+  </p:cSld>
+  <p:clrMapOvr>
+    <a:masterClrMapping/>
+  </p:clrMapOvr>
+</p:sld>
+</file>
+
+<file path=ppt/slides/slide12.xml><?xml version="1.0" encoding="utf-8"?>
+<p:sld xmlns:a="http://schemas.openxmlformats.org/drawingml/2006/main" xmlns:r="http://schemas.openxmlformats.org/officeDocument/2006/relationships" xmlns:p="http://schemas.openxmlformats.org/presentationml/2006/main">
+  <p:cSld>
+    <p:spTree>
+      <p:nvGrpSpPr>
+        <p:cNvPr id="1" name=""/>
+        <p:cNvGrpSpPr/>
+        <p:nvPr/>
+      </p:nvGrpSpPr>
+      <p:grpSpPr>
+        <a:xfrm>
+          <a:off x="0" y="0"/>
+          <a:ext cx="0" cy="0"/>
+          <a:chOff x="0" y="0"/>
+          <a:chExt cx="0" cy="0"/>
+        </a:xfrm>
+      </p:grpSpPr>
+      <p:sp>
+        <p:nvSpPr>
+          <p:cNvPr id="2" name="标题 1"/>
+          <p:cNvSpPr>
+            <a:spLocks noGrp="1"/>
+          </p:cNvSpPr>
+          <p:nvPr>
+            <p:ph type="title"/>
+          </p:nvPr>
+        </p:nvSpPr>
+        <p:spPr/>
+        <p:txBody>
+          <a:bodyPr/>
+          <a:lstStyle/>
+          <a:p>
+            <a:endParaRPr lang="zh-CN" altLang="en-US"/>
+          </a:p>
+        </p:txBody>
+      </p:sp>
+      <p:pic>
+        <p:nvPicPr>
+          <p:cNvPr id="4" name="内容占位符 4">
+            <a:extLst>
+              <a:ext uri="{FF2B5EF4-FFF2-40B4-BE49-F238E27FC236}">
+                <a16:creationId xmlns="" xmlns:a16="http://schemas.microsoft.com/office/drawing/2014/main" id="{F3A85E42-EFBC-427E-B3F7-F24EE72C83C9}"/>
+              </a:ext>
+            </a:extLst>
+          </p:cNvPr>
+          <p:cNvPicPr>
+            <a:picLocks noGrp="1" noChangeAspect="1"/>
+          </p:cNvPicPr>
+          <p:nvPr>
+            <p:ph idx="1"/>
+          </p:nvPr>
+        </p:nvPicPr>
+        <p:blipFill>
+          <a:blip r:embed="rId2">
+            <a:extLst>
+              <a:ext uri="{28A0092B-C50C-407E-A947-70E740481C1C}">
+                <a14:useLocalDpi xmlns:a14="http://schemas.microsoft.com/office/drawing/2010/main" val="0"/>
+              </a:ext>
+            </a:extLst>
+          </a:blip>
+          <a:stretch>
+            <a:fillRect/>
+          </a:stretch>
+        </p:blipFill>
+        <p:spPr>
+          <a:xfrm>
+            <a:off x="1285222" y="1600200"/>
+            <a:ext cx="6573555" cy="4525963"/>
+          </a:xfrm>
+        </p:spPr>
+      </p:pic>
+    </p:spTree>
+    <p:extLst>
+      <p:ext uri="{BB962C8B-B14F-4D97-AF65-F5344CB8AC3E}">
+        <p14:creationId xmlns:p14="http://schemas.microsoft.com/office/powerpoint/2010/main" val="2010623615"/>
+      </p:ext>
+    </p:extLst>
+  </p:cSld>
+  <p:clrMapOvr>
+    <a:masterClrMapping/>
+  </p:clrMapOvr>
+</p:sld>
+</file>
+
+<file path=ppt/slides/slide13.xml><?xml version="1.0" encoding="utf-8"?>
+<p:sld xmlns:a="http://schemas.openxmlformats.org/drawingml/2006/main" xmlns:r="http://schemas.openxmlformats.org/officeDocument/2006/relationships" xmlns:p="http://schemas.openxmlformats.org/presentationml/2006/main">
+  <p:cSld>
+    <p:spTree>
+      <p:nvGrpSpPr>
+        <p:cNvPr id="1" name=""/>
+        <p:cNvGrpSpPr/>
+        <p:nvPr/>
+      </p:nvGrpSpPr>
+      <p:grpSpPr>
+        <a:xfrm>
+          <a:off x="0" y="0"/>
+          <a:ext cx="0" cy="0"/>
+          <a:chOff x="0" y="0"/>
+          <a:chExt cx="0" cy="0"/>
+        </a:xfrm>
+      </p:grpSpPr>
+      <p:sp>
+        <p:nvSpPr>
+          <p:cNvPr id="2" name="标题 1"/>
+          <p:cNvSpPr>
+            <a:spLocks noGrp="1"/>
+          </p:cNvSpPr>
+          <p:nvPr>
+            <p:ph type="title"/>
+          </p:nvPr>
+        </p:nvSpPr>
+        <p:spPr/>
+        <p:txBody>
+          <a:bodyPr/>
+          <a:lstStyle/>
+          <a:p>
+            <a:endParaRPr lang="zh-CN" altLang="en-US"/>
+          </a:p>
+        </p:txBody>
+      </p:sp>
+      <p:sp>
+        <p:nvSpPr>
+          <p:cNvPr id="3" name="内容占位符 2"/>
+          <p:cNvSpPr>
+            <a:spLocks noGrp="1"/>
+          </p:cNvSpPr>
+          <p:nvPr>
+            <p:ph idx="1"/>
+          </p:nvPr>
+        </p:nvSpPr>
+        <p:spPr/>
+        <p:txBody>
+          <a:bodyPr/>
+          <a:lstStyle/>
+          <a:p>
+            <a:r>
+              <a:rPr lang="en-US" altLang="zh-CN" dirty="0"/>
+              <a:t>13.6875D</a:t>
+            </a:r>
+            <a:r>
+              <a:rPr lang="zh-CN" altLang="en-US" dirty="0"/>
+              <a:t>转为二进制为</a:t>
+            </a:r>
+            <a:r>
+              <a:rPr lang="en-US" altLang="zh-CN" dirty="0"/>
+              <a:t>:</a:t>
+            </a:r>
+          </a:p>
+          <a:p>
+            <a:pPr>
+              <a:spcBef>
+                <a:spcPts val="3600"/>
+              </a:spcBef>
+            </a:pPr>
+            <a:r>
+              <a:rPr lang="en-US" altLang="zh-CN" dirty="0"/>
+              <a:t>1101.1011B</a:t>
+            </a:r>
+            <a:endParaRPr lang="zh-CN" altLang="en-US" dirty="0"/>
+          </a:p>
+          <a:p>
+            <a:endParaRPr lang="zh-CN" altLang="en-US" dirty="0"/>
+          </a:p>
+        </p:txBody>
+      </p:sp>
+    </p:spTree>
+    <p:extLst>
+      <p:ext uri="{BB962C8B-B14F-4D97-AF65-F5344CB8AC3E}">
+        <p14:creationId xmlns:p14="http://schemas.microsoft.com/office/powerpoint/2010/main" val="648128090"/>
+      </p:ext>
+    </p:extLst>
+  </p:cSld>
+  <p:clrMapOvr>
+    <a:masterClrMapping/>
+  </p:clrMapOvr>
+</p:sld>
+</file>
+
+<file path=ppt/slides/slide14.xml><?xml version="1.0" encoding="utf-8"?>
+<p:sld xmlns:a="http://schemas.openxmlformats.org/drawingml/2006/main" xmlns:r="http://schemas.openxmlformats.org/officeDocument/2006/relationships" xmlns:p="http://schemas.openxmlformats.org/presentationml/2006/main">
+  <p:cSld>
+    <p:spTree>
+      <p:nvGrpSpPr>
+        <p:cNvPr id="1" name=""/>
+        <p:cNvGrpSpPr/>
+        <p:nvPr/>
+      </p:nvGrpSpPr>
+      <p:grpSpPr>
+        <a:xfrm>
+          <a:off x="0" y="0"/>
+          <a:ext cx="0" cy="0"/>
+          <a:chOff x="0" y="0"/>
+          <a:chExt cx="0" cy="0"/>
+        </a:xfrm>
+      </p:grpSpPr>
+      <p:sp>
+        <p:nvSpPr>
+          <p:cNvPr id="2" name="标题 1"/>
+          <p:cNvSpPr>
+            <a:spLocks noGrp="1"/>
+          </p:cNvSpPr>
+          <p:nvPr>
+            <p:ph type="title"/>
+          </p:nvPr>
+        </p:nvSpPr>
+        <p:spPr/>
+        <p:txBody>
+          <a:bodyPr/>
+          <a:lstStyle/>
+          <a:p>
+            <a:endParaRPr lang="zh-CN" altLang="en-US"/>
+          </a:p>
+        </p:txBody>
+      </p:sp>
+      <p:sp>
+        <p:nvSpPr>
+          <p:cNvPr id="3" name="内容占位符 2"/>
+          <p:cNvSpPr>
+            <a:spLocks noGrp="1"/>
+          </p:cNvSpPr>
+          <p:nvPr>
+            <p:ph idx="1"/>
+          </p:nvPr>
+        </p:nvSpPr>
+        <p:spPr/>
+        <p:txBody>
+          <a:bodyPr>
+            <a:normAutofit/>
+          </a:bodyPr>
+          <a:lstStyle/>
+          <a:p>
+            <a:r>
+              <a:rPr lang="zh-CN" altLang="en-US" dirty="0"/>
+              <a:t>由于十进制转二进制会出现无限位数的情况（例如</a:t>
+            </a:r>
+            <a:r>
+              <a:rPr lang="en-US" altLang="zh-CN" dirty="0"/>
+              <a:t>0.24</a:t>
+            </a:r>
+            <a:r>
+              <a:rPr lang="zh-CN" altLang="en-US" dirty="0"/>
+              <a:t>），因此常常要求保留相应位数。</a:t>
+            </a:r>
+            <a:endParaRPr lang="en-US" altLang="zh-CN" dirty="0"/>
+          </a:p>
+          <a:p>
+            <a:r>
+              <a:rPr lang="zh-CN" altLang="en-US" dirty="0"/>
+              <a:t>保留是应该遵循</a:t>
+            </a:r>
+            <a:r>
+              <a:rPr lang="en-US" altLang="zh-CN" dirty="0"/>
+              <a:t>0</a:t>
+            </a:r>
+            <a:r>
+              <a:rPr lang="zh-CN" altLang="en-US" dirty="0"/>
+              <a:t>舍</a:t>
+            </a:r>
+            <a:r>
+              <a:rPr lang="en-US" altLang="zh-CN" dirty="0"/>
+              <a:t>1</a:t>
+            </a:r>
+            <a:r>
+              <a:rPr lang="zh-CN" altLang="en-US" dirty="0"/>
+              <a:t>近的原则，被保留的位数，即使为</a:t>
+            </a:r>
+            <a:r>
+              <a:rPr lang="en-US" altLang="zh-CN" dirty="0"/>
+              <a:t>0</a:t>
+            </a:r>
+            <a:r>
+              <a:rPr lang="zh-CN" altLang="en-US" dirty="0"/>
+              <a:t>，也必须写出</a:t>
+            </a:r>
+            <a:endParaRPr lang="en-US" altLang="zh-CN" dirty="0"/>
+          </a:p>
+          <a:p>
+            <a:r>
+              <a:rPr lang="zh-CN" altLang="en-US" dirty="0"/>
+              <a:t>例如：</a:t>
+            </a:r>
+            <a:r>
+              <a:rPr lang="en-US" altLang="zh-CN" dirty="0"/>
+              <a:t>0.10110101B</a:t>
+            </a:r>
+            <a:r>
+              <a:rPr lang="zh-CN" altLang="en-US" dirty="0"/>
+              <a:t>，保留三位，为</a:t>
+            </a:r>
+            <a:r>
+              <a:rPr lang="en-US" altLang="zh-CN" dirty="0" smtClean="0"/>
+              <a:t>0.110</a:t>
+            </a:r>
+          </a:p>
+          <a:p>
+            <a:r>
+              <a:rPr lang="zh-CN" altLang="en-US" dirty="0" smtClean="0"/>
+              <a:t>八进制</a:t>
+            </a:r>
+            <a:r>
+              <a:rPr lang="zh-CN" altLang="en-US" dirty="0"/>
+              <a:t>保留小数采取</a:t>
+            </a:r>
+            <a:r>
+              <a:rPr lang="en-US" altLang="zh-CN" dirty="0"/>
+              <a:t>4</a:t>
+            </a:r>
+            <a:r>
+              <a:rPr lang="zh-CN" altLang="en-US" dirty="0"/>
+              <a:t>进</a:t>
+            </a:r>
+            <a:r>
+              <a:rPr lang="en-US" altLang="zh-CN" dirty="0"/>
+              <a:t>3</a:t>
+            </a:r>
+            <a:r>
+              <a:rPr lang="zh-CN" altLang="en-US" dirty="0" smtClean="0"/>
+              <a:t>舍</a:t>
+            </a:r>
+            <a:endParaRPr lang="en-US" altLang="zh-CN" dirty="0" smtClean="0"/>
+          </a:p>
+          <a:p>
+            <a:r>
+              <a:rPr lang="zh-CN" altLang="en-US" dirty="0" smtClean="0"/>
+              <a:t>十六进制</a:t>
+            </a:r>
+            <a:r>
+              <a:rPr lang="zh-CN" altLang="en-US" dirty="0"/>
+              <a:t>保留小数采取</a:t>
+            </a:r>
+            <a:r>
+              <a:rPr lang="en-US" altLang="zh-CN" dirty="0"/>
+              <a:t>8</a:t>
+            </a:r>
+            <a:r>
+              <a:rPr lang="zh-CN" altLang="en-US" dirty="0"/>
+              <a:t>进</a:t>
+            </a:r>
+            <a:r>
+              <a:rPr lang="en-US" altLang="zh-CN" dirty="0"/>
+              <a:t>7</a:t>
+            </a:r>
+            <a:r>
+              <a:rPr lang="zh-CN" altLang="en-US" dirty="0"/>
+              <a:t>舍</a:t>
+            </a:r>
+          </a:p>
+          <a:p>
+            <a:endParaRPr lang="zh-CN" altLang="en-US" dirty="0"/>
+          </a:p>
+        </p:txBody>
+      </p:sp>
+    </p:spTree>
+    <p:extLst>
+      <p:ext uri="{BB962C8B-B14F-4D97-AF65-F5344CB8AC3E}">
+        <p14:creationId xmlns:p14="http://schemas.microsoft.com/office/powerpoint/2010/main" val="530123036"/>
+      </p:ext>
+    </p:extLst>
+  </p:cSld>
+  <p:clrMapOvr>
+    <a:masterClrMapping/>
+  </p:clrMapOvr>
+</p:sld>
+</file>
+
 <file path=ppt/slides/slide2.xml><?xml version="1.0" encoding="utf-8"?>
 <p:sld xmlns:a="http://schemas.openxmlformats.org/drawingml/2006/main" xmlns:r="http://schemas.openxmlformats.org/officeDocument/2006/relationships" xmlns:p="http://schemas.openxmlformats.org/presentationml/2006/main">
   <p:cSld>
@@ -3664,7 +4251,7 @@
             <p:cNvPr id="4" name="AutoShape 60">
               <a:extLst>
                 <a:ext uri="{FF2B5EF4-FFF2-40B4-BE49-F238E27FC236}">
-                  <a16:creationId xmlns="" xmlns:a16="http://schemas.microsoft.com/office/drawing/2014/main" id="{19546C91-2EB3-4AB6-A960-3F0C7A2B3B01}"/>
+                  <a16:creationId xmlns:a16="http://schemas.microsoft.com/office/drawing/2014/main" xmlns="" id="{19546C91-2EB3-4AB6-A960-3F0C7A2B3B01}"/>
                 </a:ext>
               </a:extLst>
             </p:cNvPr>
@@ -3905,7 +4492,7 @@
             <p:cNvPr id="5" name="Text Box 61">
               <a:extLst>
                 <a:ext uri="{FF2B5EF4-FFF2-40B4-BE49-F238E27FC236}">
-                  <a16:creationId xmlns="" xmlns:a16="http://schemas.microsoft.com/office/drawing/2014/main" id="{4F3459EC-325A-43AF-9868-5834E586BD63}"/>
+                  <a16:creationId xmlns:a16="http://schemas.microsoft.com/office/drawing/2014/main" xmlns="" id="{4F3459EC-325A-43AF-9868-5834E586BD63}"/>
                 </a:ext>
               </a:extLst>
             </p:cNvPr>
@@ -4261,7 +4848,7 @@
             <p:cNvPr id="6" name="Text Box 63">
               <a:extLst>
                 <a:ext uri="{FF2B5EF4-FFF2-40B4-BE49-F238E27FC236}">
-                  <a16:creationId xmlns="" xmlns:a16="http://schemas.microsoft.com/office/drawing/2014/main" id="{094D6771-BEAD-4A1B-981A-507C2D2AB817}"/>
+                  <a16:creationId xmlns:a16="http://schemas.microsoft.com/office/drawing/2014/main" xmlns="" id="{094D6771-BEAD-4A1B-981A-507C2D2AB817}"/>
                 </a:ext>
               </a:extLst>
             </p:cNvPr>
@@ -4543,7 +5130,7 @@
             <p:cNvPr id="7" name="Text Box 64">
               <a:extLst>
                 <a:ext uri="{FF2B5EF4-FFF2-40B4-BE49-F238E27FC236}">
-                  <a16:creationId xmlns="" xmlns:a16="http://schemas.microsoft.com/office/drawing/2014/main" id="{6F0418FF-B310-4FA1-8EF7-D0FD24C35136}"/>
+                  <a16:creationId xmlns:a16="http://schemas.microsoft.com/office/drawing/2014/main" xmlns="" id="{6F0418FF-B310-4FA1-8EF7-D0FD24C35136}"/>
                 </a:ext>
               </a:extLst>
             </p:cNvPr>
@@ -4817,7 +5404,7 @@
             <p:cNvPr id="8" name="Text Box 65">
               <a:extLst>
                 <a:ext uri="{FF2B5EF4-FFF2-40B4-BE49-F238E27FC236}">
-                  <a16:creationId xmlns="" xmlns:a16="http://schemas.microsoft.com/office/drawing/2014/main" id="{B1ED17E3-4401-4E52-8F73-25DDD18EE8F5}"/>
+                  <a16:creationId xmlns:a16="http://schemas.microsoft.com/office/drawing/2014/main" xmlns="" id="{B1ED17E3-4401-4E52-8F73-25DDD18EE8F5}"/>
                 </a:ext>
               </a:extLst>
             </p:cNvPr>
@@ -5145,7 +5732,7 @@
             <p:cNvPr id="9" name="AutoShape 67">
               <a:extLst>
                 <a:ext uri="{FF2B5EF4-FFF2-40B4-BE49-F238E27FC236}">
-                  <a16:creationId xmlns="" xmlns:a16="http://schemas.microsoft.com/office/drawing/2014/main" id="{36C17486-F428-4C2D-8DA9-B125A193E0AA}"/>
+                  <a16:creationId xmlns:a16="http://schemas.microsoft.com/office/drawing/2014/main" xmlns="" id="{36C17486-F428-4C2D-8DA9-B125A193E0AA}"/>
                 </a:ext>
               </a:extLst>
             </p:cNvPr>
@@ -5386,7 +5973,7 @@
             <p:cNvPr id="10" name="AutoShape 68">
               <a:extLst>
                 <a:ext uri="{FF2B5EF4-FFF2-40B4-BE49-F238E27FC236}">
-                  <a16:creationId xmlns="" xmlns:a16="http://schemas.microsoft.com/office/drawing/2014/main" id="{7EFD9DD7-BF84-4706-8D9E-F101CDB4CC5B}"/>
+                  <a16:creationId xmlns:a16="http://schemas.microsoft.com/office/drawing/2014/main" xmlns="" id="{7EFD9DD7-BF84-4706-8D9E-F101CDB4CC5B}"/>
                 </a:ext>
               </a:extLst>
             </p:cNvPr>
@@ -5627,7 +6214,7 @@
             <p:cNvPr id="11" name="AutoShape 69">
               <a:extLst>
                 <a:ext uri="{FF2B5EF4-FFF2-40B4-BE49-F238E27FC236}">
-                  <a16:creationId xmlns="" xmlns:a16="http://schemas.microsoft.com/office/drawing/2014/main" id="{08FE12AE-550C-45F1-92E0-A14CFE8EA0FF}"/>
+                  <a16:creationId xmlns:a16="http://schemas.microsoft.com/office/drawing/2014/main" xmlns="" id="{08FE12AE-550C-45F1-92E0-A14CFE8EA0FF}"/>
                 </a:ext>
               </a:extLst>
             </p:cNvPr>
@@ -6427,6 +7014,387 @@
     <p:extLst>
       <p:ext uri="{BB962C8B-B14F-4D97-AF65-F5344CB8AC3E}">
         <p14:creationId xmlns:p14="http://schemas.microsoft.com/office/powerpoint/2010/main" val="3220867419"/>
+      </p:ext>
+    </p:extLst>
+  </p:cSld>
+  <p:clrMapOvr>
+    <a:masterClrMapping/>
+  </p:clrMapOvr>
+</p:sld>
+</file>
+
+<file path=ppt/slides/slide8.xml><?xml version="1.0" encoding="utf-8"?>
+<p:sld xmlns:a="http://schemas.openxmlformats.org/drawingml/2006/main" xmlns:r="http://schemas.openxmlformats.org/officeDocument/2006/relationships" xmlns:p="http://schemas.openxmlformats.org/presentationml/2006/main">
+  <p:cSld>
+    <p:spTree>
+      <p:nvGrpSpPr>
+        <p:cNvPr id="1" name=""/>
+        <p:cNvGrpSpPr/>
+        <p:nvPr/>
+      </p:nvGrpSpPr>
+      <p:grpSpPr>
+        <a:xfrm>
+          <a:off x="0" y="0"/>
+          <a:ext cx="0" cy="0"/>
+          <a:chOff x="0" y="0"/>
+          <a:chExt cx="0" cy="0"/>
+        </a:xfrm>
+      </p:grpSpPr>
+      <p:sp>
+        <p:nvSpPr>
+          <p:cNvPr id="2" name="标题 1"/>
+          <p:cNvSpPr>
+            <a:spLocks noGrp="1"/>
+          </p:cNvSpPr>
+          <p:nvPr>
+            <p:ph type="title"/>
+          </p:nvPr>
+        </p:nvSpPr>
+        <p:spPr/>
+        <p:txBody>
+          <a:bodyPr/>
+          <a:lstStyle/>
+          <a:p>
+            <a:r>
+              <a:rPr lang="zh-CN" altLang="en-US" dirty="0" smtClean="0"/>
+              <a:t>转为十进制</a:t>
+            </a:r>
+            <a:endParaRPr lang="zh-CN" altLang="en-US" dirty="0"/>
+          </a:p>
+        </p:txBody>
+      </p:sp>
+      <p:sp>
+        <p:nvSpPr>
+          <p:cNvPr id="3" name="内容占位符 2"/>
+          <p:cNvSpPr>
+            <a:spLocks noGrp="1"/>
+          </p:cNvSpPr>
+          <p:nvPr>
+            <p:ph idx="1"/>
+          </p:nvPr>
+        </p:nvSpPr>
+        <p:spPr/>
+        <p:txBody>
+          <a:bodyPr>
+            <a:normAutofit lnSpcReduction="10000"/>
+          </a:bodyPr>
+          <a:lstStyle/>
+          <a:p>
+            <a:pPr>
+              <a:buNone/>
+            </a:pPr>
+            <a:r>
+              <a:rPr lang="zh-CN" altLang="en-US" dirty="0">
+                <a:solidFill>
+                  <a:schemeClr val="tx2"/>
+                </a:solidFill>
+              </a:rPr>
+              <a:t>转换规则：按位权展开相加</a:t>
+            </a:r>
+          </a:p>
+          <a:p>
+            <a:r>
+              <a:rPr lang="en-US" altLang="zh-CN" dirty="0">
+                <a:solidFill>
+                  <a:schemeClr val="tx2"/>
+                </a:solidFill>
+              </a:rPr>
+              <a:t>1100.0101B</a:t>
+            </a:r>
+          </a:p>
+          <a:p>
+            <a:pPr>
+              <a:buNone/>
+            </a:pPr>
+            <a:r>
+              <a:rPr lang="en-US" altLang="zh-CN" dirty="0"/>
+              <a:t>=	1×2</a:t>
+            </a:r>
+            <a:r>
+              <a:rPr lang="en-US" altLang="zh-CN" baseline="30000" dirty="0"/>
+              <a:t>3</a:t>
+            </a:r>
+            <a:r>
+              <a:rPr lang="en-US" altLang="zh-CN" dirty="0"/>
+              <a:t>+ 1×2</a:t>
+            </a:r>
+            <a:r>
+              <a:rPr lang="en-US" altLang="zh-CN" baseline="30000" dirty="0"/>
+              <a:t>2</a:t>
+            </a:r>
+            <a:r>
+              <a:rPr lang="en-US" altLang="zh-CN" dirty="0"/>
+              <a:t>+0×2</a:t>
+            </a:r>
+            <a:r>
+              <a:rPr lang="en-US" altLang="zh-CN" baseline="30000" dirty="0"/>
+              <a:t>1</a:t>
+            </a:r>
+            <a:r>
+              <a:rPr lang="en-US" altLang="zh-CN" dirty="0"/>
+              <a:t>+0×2</a:t>
+            </a:r>
+            <a:r>
+              <a:rPr lang="en-US" altLang="zh-CN" baseline="30000" dirty="0"/>
+              <a:t>0</a:t>
+            </a:r>
+            <a:r>
+              <a:rPr lang="en-US" altLang="zh-CN" dirty="0"/>
+              <a:t>+ 0×2</a:t>
+            </a:r>
+            <a:r>
+              <a:rPr lang="en-US" altLang="zh-CN" baseline="30000" dirty="0"/>
+              <a:t>-1</a:t>
+            </a:r>
+          </a:p>
+          <a:p>
+            <a:pPr>
+              <a:buNone/>
+            </a:pPr>
+            <a:r>
+              <a:rPr lang="en-US" altLang="zh-CN" dirty="0"/>
+              <a:t>	+1×2</a:t>
+            </a:r>
+            <a:r>
+              <a:rPr lang="en-US" altLang="zh-CN" baseline="30000" dirty="0"/>
+              <a:t>-2</a:t>
+            </a:r>
+            <a:r>
+              <a:rPr lang="en-US" altLang="zh-CN" dirty="0"/>
+              <a:t>+0×2</a:t>
+            </a:r>
+            <a:r>
+              <a:rPr lang="en-US" altLang="zh-CN" baseline="30000" dirty="0"/>
+              <a:t>-3</a:t>
+            </a:r>
+            <a:r>
+              <a:rPr lang="en-US" altLang="zh-CN" dirty="0"/>
+              <a:t>+1×2</a:t>
+            </a:r>
+            <a:r>
+              <a:rPr lang="en-US" altLang="zh-CN" baseline="30000" dirty="0"/>
+              <a:t>-4</a:t>
+            </a:r>
+          </a:p>
+          <a:p>
+            <a:pPr>
+              <a:buNone/>
+            </a:pPr>
+            <a:r>
+              <a:rPr lang="en-US" altLang="zh-CN" dirty="0"/>
+              <a:t>=	</a:t>
+            </a:r>
+            <a:r>
+              <a:rPr lang="en-US" altLang="zh-CN" dirty="0">
+                <a:solidFill>
+                  <a:schemeClr val="tx2"/>
+                </a:solidFill>
+              </a:rPr>
+              <a:t>12.3125D</a:t>
+            </a:r>
+          </a:p>
+          <a:p>
+            <a:r>
+              <a:rPr lang="en-US" altLang="zh-CN" dirty="0">
+                <a:solidFill>
+                  <a:schemeClr val="tx2"/>
+                </a:solidFill>
+              </a:rPr>
+              <a:t>31A.7H</a:t>
+            </a:r>
+          </a:p>
+          <a:p>
+            <a:pPr>
+              <a:buNone/>
+            </a:pPr>
+            <a:r>
+              <a:rPr lang="en-US" altLang="zh-CN" dirty="0"/>
+              <a:t>=	3×16</a:t>
+            </a:r>
+            <a:r>
+              <a:rPr lang="en-US" altLang="zh-CN" baseline="30000" dirty="0"/>
+              <a:t>2</a:t>
+            </a:r>
+            <a:r>
+              <a:rPr lang="en-US" altLang="zh-CN" dirty="0"/>
+              <a:t>+1×16</a:t>
+            </a:r>
+            <a:r>
+              <a:rPr lang="en-US" altLang="zh-CN" baseline="30000" dirty="0"/>
+              <a:t>1</a:t>
+            </a:r>
+            <a:r>
+              <a:rPr lang="en-US" altLang="zh-CN" dirty="0"/>
+              <a:t>+10×16</a:t>
+            </a:r>
+            <a:r>
+              <a:rPr lang="en-US" altLang="zh-CN" baseline="30000" dirty="0"/>
+              <a:t>0</a:t>
+            </a:r>
+            <a:r>
+              <a:rPr lang="en-US" altLang="zh-CN" dirty="0"/>
+              <a:t>+7×16</a:t>
+            </a:r>
+            <a:r>
+              <a:rPr lang="en-US" altLang="zh-CN" baseline="30000" dirty="0"/>
+              <a:t>-1</a:t>
+            </a:r>
+          </a:p>
+          <a:p>
+            <a:pPr>
+              <a:buNone/>
+            </a:pPr>
+            <a:r>
+              <a:rPr lang="en-US" altLang="zh-CN" dirty="0"/>
+              <a:t>=	</a:t>
+            </a:r>
+            <a:r>
+              <a:rPr lang="en-US" altLang="zh-CN" dirty="0">
+                <a:solidFill>
+                  <a:schemeClr val="tx2"/>
+                </a:solidFill>
+              </a:rPr>
+              <a:t>794.4375D</a:t>
+            </a:r>
+          </a:p>
+          <a:p>
+            <a:endParaRPr lang="zh-CN" altLang="en-US" dirty="0"/>
+          </a:p>
+        </p:txBody>
+      </p:sp>
+    </p:spTree>
+    <p:extLst>
+      <p:ext uri="{BB962C8B-B14F-4D97-AF65-F5344CB8AC3E}">
+        <p14:creationId xmlns:p14="http://schemas.microsoft.com/office/powerpoint/2010/main" val="3226576799"/>
+      </p:ext>
+    </p:extLst>
+  </p:cSld>
+  <p:clrMapOvr>
+    <a:masterClrMapping/>
+  </p:clrMapOvr>
+</p:sld>
+</file>
+
+<file path=ppt/slides/slide9.xml><?xml version="1.0" encoding="utf-8"?>
+<p:sld xmlns:a="http://schemas.openxmlformats.org/drawingml/2006/main" xmlns:r="http://schemas.openxmlformats.org/officeDocument/2006/relationships" xmlns:p="http://schemas.openxmlformats.org/presentationml/2006/main">
+  <p:cSld>
+    <p:spTree>
+      <p:nvGrpSpPr>
+        <p:cNvPr id="1" name=""/>
+        <p:cNvGrpSpPr/>
+        <p:nvPr/>
+      </p:nvGrpSpPr>
+      <p:grpSpPr>
+        <a:xfrm>
+          <a:off x="0" y="0"/>
+          <a:ext cx="0" cy="0"/>
+          <a:chOff x="0" y="0"/>
+          <a:chExt cx="0" cy="0"/>
+        </a:xfrm>
+      </p:grpSpPr>
+      <p:sp>
+        <p:nvSpPr>
+          <p:cNvPr id="2" name="标题 1"/>
+          <p:cNvSpPr>
+            <a:spLocks noGrp="1"/>
+          </p:cNvSpPr>
+          <p:nvPr>
+            <p:ph type="title"/>
+          </p:nvPr>
+        </p:nvSpPr>
+        <p:spPr/>
+        <p:txBody>
+          <a:bodyPr/>
+          <a:lstStyle/>
+          <a:p>
+            <a:endParaRPr lang="zh-CN" altLang="en-US"/>
+          </a:p>
+        </p:txBody>
+      </p:sp>
+      <p:sp>
+        <p:nvSpPr>
+          <p:cNvPr id="3" name="内容占位符 2"/>
+          <p:cNvSpPr>
+            <a:spLocks noGrp="1"/>
+          </p:cNvSpPr>
+          <p:nvPr>
+            <p:ph idx="1"/>
+          </p:nvPr>
+        </p:nvSpPr>
+        <p:spPr/>
+        <p:txBody>
+          <a:bodyPr/>
+          <a:lstStyle/>
+          <a:p>
+            <a:pPr marL="0" indent="0">
+              <a:lnSpc>
+                <a:spcPct val="80000"/>
+              </a:lnSpc>
+              <a:spcAft>
+                <a:spcPts val="2400"/>
+              </a:spcAft>
+              <a:buNone/>
+            </a:pPr>
+            <a:r>
+              <a:rPr lang="zh-CN" altLang="en-US" dirty="0"/>
+              <a:t>将下方的数转为十进制数：</a:t>
+            </a:r>
+            <a:endParaRPr lang="en-US" altLang="zh-CN" dirty="0"/>
+          </a:p>
+          <a:p>
+            <a:pPr marL="360000" indent="0">
+              <a:lnSpc>
+                <a:spcPct val="80000"/>
+              </a:lnSpc>
+              <a:spcAft>
+                <a:spcPts val="2400"/>
+              </a:spcAft>
+              <a:buNone/>
+            </a:pPr>
+            <a:r>
+              <a:rPr lang="en-US" altLang="zh-CN" dirty="0"/>
+              <a:t>10100.01B=?</a:t>
+            </a:r>
+          </a:p>
+          <a:p>
+            <a:pPr marL="360000" indent="0">
+              <a:lnSpc>
+                <a:spcPct val="80000"/>
+              </a:lnSpc>
+              <a:spcAft>
+                <a:spcPts val="2400"/>
+              </a:spcAft>
+              <a:buNone/>
+            </a:pPr>
+            <a:r>
+              <a:rPr lang="en-US" altLang="zh-CN" dirty="0"/>
+              <a:t> 234.56O=?</a:t>
+            </a:r>
+          </a:p>
+          <a:p>
+            <a:pPr marL="360000" indent="0">
+              <a:lnSpc>
+                <a:spcPct val="80000"/>
+              </a:lnSpc>
+              <a:spcAft>
+                <a:spcPts val="2400"/>
+              </a:spcAft>
+              <a:buNone/>
+            </a:pPr>
+            <a:r>
+              <a:rPr lang="en-US" altLang="zh-CN" dirty="0"/>
+              <a:t> 76H=?</a:t>
+            </a:r>
+          </a:p>
+          <a:p>
+            <a:endParaRPr lang="zh-CN" altLang="en-US" dirty="0"/>
+          </a:p>
+        </p:txBody>
+      </p:sp>
+    </p:spTree>
+    <p:extLst>
+      <p:ext uri="{BB962C8B-B14F-4D97-AF65-F5344CB8AC3E}">
+        <p14:creationId xmlns:p14="http://schemas.microsoft.com/office/powerpoint/2010/main" val="3315849513"/>
       </p:ext>
     </p:extLst>
   </p:cSld>
